--- a/lab_03/project_pt3.pptx
+++ b/lab_03/project_pt3.pptx
@@ -6503,7 +6503,7 @@
             </a:r>
             <a:r>
               <a:rPr lang="en-US" dirty="0"/>
-              <a:t>.(</a:t>
+              <a:t> (</a:t>
             </a:r>
             <a:r>
               <a:rPr lang="en-US" dirty="0" err="1"/>
@@ -6519,7 +6519,7 @@
             </a:r>
             <a:r>
               <a:rPr lang="en-US" dirty="0"/>
-              <a:t>)</a:t>
+              <a:t>).</a:t>
             </a:r>
           </a:p>
           <a:p>
@@ -7197,7 +7197,7 @@
           <a:p>
             <a:r>
               <a:rPr lang="it-IT" dirty="0"/>
-              <a:t>Per quanto riguarda la lambda function relativa al </a:t>
+              <a:t>Per quanto riguarda la Lambda Function relativa al </a:t>
             </a:r>
             <a:r>
               <a:rPr lang="it-IT" dirty="0" err="1"/>
@@ -7285,7 +7285,7 @@
         <p:spPr>
           <a:xfrm>
             <a:off x="361950" y="1985417"/>
-            <a:ext cx="3255378" cy="369332"/>
+            <a:ext cx="3091872" cy="369332"/>
           </a:xfrm>
           <a:prstGeom prst="rect">
             <a:avLst/>
@@ -7300,7 +7300,15 @@
           <a:p>
             <a:r>
               <a:rPr lang="it-IT" dirty="0"/>
-              <a:t>Si ottiene la il seguente risultato:</a:t>
+              <a:t>Si </a:t>
+            </a:r>
+            <a:r>
+              <a:rPr lang="it-IT"/>
+              <a:t>ottiene il </a:t>
+            </a:r>
+            <a:r>
+              <a:rPr lang="it-IT" dirty="0"/>
+              <a:t>seguente risultato:</a:t>
             </a:r>
           </a:p>
         </p:txBody>
@@ -7451,7 +7459,7 @@
           <a:p>
             <a:r>
               <a:rPr lang="it-IT" dirty="0"/>
-              <a:t>Per ovviare a questa problematica è possibile evolvere le nostre lambda function tramite l’inserimento di un 	operatore delle query di </a:t>
+              <a:t>Per ovviare a questa problematica è possibile evolvere le nostre Lambda Function tramite l’inserimento di un 	operatore delle query di </a:t>
             </a:r>
             <a:r>
               <a:rPr lang="it-IT" dirty="0" err="1"/>
@@ -7548,7 +7556,7 @@
           <a:p>
             <a:r>
               <a:rPr lang="it-IT" dirty="0"/>
-              <a:t>Un’altra criticità è mostrata dal momento in cui all’interno del DB risiedono link errati, in questo caso il problema 	dovrebbe esser gestito a monte durante la creazione dei </a:t>
+              <a:t>Un’altra criticità è mostrata dal momento in cui all’interno del DB risiedono link errati. In questo caso il problema 	dovrebbe esser gestito a monte durante la creazione dei </a:t>
             </a:r>
             <a:r>
               <a:rPr lang="it-IT" dirty="0" err="1"/>
@@ -7556,7 +7564,7 @@
             </a:r>
             <a:r>
               <a:rPr lang="it-IT" dirty="0"/>
-              <a:t>, in cui si dovrebbero pulire i dati da 	errori come questi</a:t>
+              <a:t>, in cui si dovrebbero pulire i dati da 	errori come questi.</a:t>
             </a:r>
           </a:p>
         </p:txBody>

--- a/lab_03/project_pt3.pptx
+++ b/lab_03/project_pt3.pptx
@@ -6152,7 +6152,7 @@
         </p:nvSpPr>
         <p:spPr>
           <a:xfrm>
-            <a:off x="355525" y="928206"/>
+            <a:off x="287259" y="928206"/>
             <a:ext cx="5921450" cy="1035579"/>
           </a:xfrm>
           <a:prstGeom prst="rect">
@@ -6184,7 +6184,67 @@
                 <a:ea typeface="+mj-ea"/>
                 <a:cs typeface="+mj-cs"/>
               </a:rPr>
-              <a:t>L’handler</a:t>
+              <a:t>Gli</a:t>
+            </a:r>
+            <a:r>
+              <a:rPr lang="en-US" dirty="0">
+                <a:ln w="3175" cmpd="sng">
+                  <a:noFill/>
+                </a:ln>
+                <a:ea typeface="+mj-ea"/>
+                <a:cs typeface="+mj-cs"/>
+              </a:rPr>
+              <a:t> handler </a:t>
+            </a:r>
+            <a:r>
+              <a:rPr lang="en-US" dirty="0" err="1">
+                <a:ln w="3175" cmpd="sng">
+                  <a:noFill/>
+                </a:ln>
+                <a:ea typeface="+mj-ea"/>
+                <a:cs typeface="+mj-cs"/>
+              </a:rPr>
+              <a:t>delle</a:t>
+            </a:r>
+            <a:r>
+              <a:rPr lang="en-US" dirty="0">
+                <a:ln w="3175" cmpd="sng">
+                  <a:noFill/>
+                </a:ln>
+                <a:ea typeface="+mj-ea"/>
+                <a:cs typeface="+mj-cs"/>
+              </a:rPr>
+              <a:t> prime </a:t>
+            </a:r>
+            <a:r>
+              <a:rPr lang="en-US" dirty="0" err="1">
+                <a:ln w="3175" cmpd="sng">
+                  <a:noFill/>
+                </a:ln>
+                <a:ea typeface="+mj-ea"/>
+                <a:cs typeface="+mj-cs"/>
+              </a:rPr>
+              <a:t>tre</a:t>
+            </a:r>
+            <a:r>
+              <a:rPr lang="en-US" dirty="0">
+                <a:ln w="3175" cmpd="sng">
+                  <a:noFill/>
+                </a:ln>
+                <a:ea typeface="+mj-ea"/>
+                <a:cs typeface="+mj-cs"/>
+              </a:rPr>
+              <a:t> Lambda Function </a:t>
+            </a:r>
+            <a:r>
+              <a:rPr lang="en-US" dirty="0" err="1">
+                <a:ln w="3175" cmpd="sng">
+                  <a:noFill/>
+                </a:ln>
+                <a:ea typeface="+mj-ea"/>
+                <a:cs typeface="+mj-cs"/>
+              </a:rPr>
+              <a:t>sono</a:t>
             </a:r>
             <a:r>
               <a:rPr lang="en-US" dirty="0">
@@ -6204,67 +6264,7 @@
                 <a:ea typeface="+mj-ea"/>
                 <a:cs typeface="+mj-cs"/>
               </a:rPr>
-              <a:t>delle</a:t>
-            </a:r>
-            <a:r>
-              <a:rPr lang="en-US" dirty="0">
-                <a:ln w="3175" cmpd="sng">
-                  <a:noFill/>
-                </a:ln>
-                <a:ea typeface="+mj-ea"/>
-                <a:cs typeface="+mj-cs"/>
-              </a:rPr>
-              <a:t> prime </a:t>
-            </a:r>
-            <a:r>
-              <a:rPr lang="en-US" dirty="0" err="1">
-                <a:ln w="3175" cmpd="sng">
-                  <a:noFill/>
-                </a:ln>
-                <a:ea typeface="+mj-ea"/>
-                <a:cs typeface="+mj-cs"/>
-              </a:rPr>
-              <a:t>tre</a:t>
-            </a:r>
-            <a:r>
-              <a:rPr lang="en-US" dirty="0">
-                <a:ln w="3175" cmpd="sng">
-                  <a:noFill/>
-                </a:ln>
-                <a:ea typeface="+mj-ea"/>
-                <a:cs typeface="+mj-cs"/>
-              </a:rPr>
-              <a:t> Lambda Function </a:t>
-            </a:r>
-            <a:r>
-              <a:rPr lang="en-US" dirty="0" err="1">
-                <a:ln w="3175" cmpd="sng">
-                  <a:noFill/>
-                </a:ln>
-                <a:ea typeface="+mj-ea"/>
-                <a:cs typeface="+mj-cs"/>
-              </a:rPr>
-              <a:t>sono</a:t>
-            </a:r>
-            <a:r>
-              <a:rPr lang="en-US" dirty="0">
-                <a:ln w="3175" cmpd="sng">
-                  <a:noFill/>
-                </a:ln>
-                <a:ea typeface="+mj-ea"/>
-                <a:cs typeface="+mj-cs"/>
-              </a:rPr>
-              <a:t> </a:t>
-            </a:r>
-            <a:r>
-              <a:rPr lang="en-US" dirty="0" err="1">
-                <a:ln w="3175" cmpd="sng">
-                  <a:noFill/>
-                </a:ln>
-                <a:ea typeface="+mj-ea"/>
-                <a:cs typeface="+mj-cs"/>
-              </a:rPr>
-              <a:t>strutturate</a:t>
+              <a:t>strutturati</a:t>
             </a:r>
             <a:r>
               <a:rPr lang="en-US" dirty="0">
@@ -6379,7 +6379,7 @@
         </p:nvSpPr>
         <p:spPr>
           <a:xfrm>
-            <a:off x="355525" y="1963785"/>
+            <a:off x="287259" y="1963785"/>
             <a:ext cx="5623791" cy="1035579"/>
           </a:xfrm>
           <a:prstGeom prst="rect">
@@ -6765,7 +6765,7 @@
         </p:nvSpPr>
         <p:spPr>
           <a:xfrm>
-            <a:off x="355525" y="3429000"/>
+            <a:off x="287259" y="3429000"/>
             <a:ext cx="5623791" cy="2616101"/>
           </a:xfrm>
           <a:prstGeom prst="rect">
@@ -6855,7 +6855,7 @@
             </a:pPr>
             <a:r>
               <a:rPr lang="it-IT" dirty="0"/>
-              <a:t>Inserimento della funzione «select» per rendere più 	pulita la visualizzazione dei video consigliati.</a:t>
+              <a:t>inserire la funzione «select» per rendere più pulita la visualizzazione dei video consigliati.</a:t>
             </a:r>
           </a:p>
         </p:txBody>
